--- a/BayesOpt Pose Graph-Week17.pptx
+++ b/BayesOpt Pose Graph-Week17.pptx
@@ -268,7 +268,7 @@
           <a:p>
             <a:fld id="{EC1BCD71-190D-426B-85E9-B8B75E5C9734}" type="datetimeFigureOut">
               <a:rPr lang="en-GB" smtClean="0"/>
-              <a:t>29/08/2023</a:t>
+              <a:t>11/09/2023</a:t>
             </a:fld>
             <a:endParaRPr lang="en-GB"/>
           </a:p>
@@ -466,7 +466,7 @@
           <a:p>
             <a:fld id="{EC1BCD71-190D-426B-85E9-B8B75E5C9734}" type="datetimeFigureOut">
               <a:rPr lang="en-GB" smtClean="0"/>
-              <a:t>29/08/2023</a:t>
+              <a:t>11/09/2023</a:t>
             </a:fld>
             <a:endParaRPr lang="en-GB"/>
           </a:p>
@@ -674,7 +674,7 @@
           <a:p>
             <a:fld id="{EC1BCD71-190D-426B-85E9-B8B75E5C9734}" type="datetimeFigureOut">
               <a:rPr lang="en-GB" smtClean="0"/>
-              <a:t>29/08/2023</a:t>
+              <a:t>11/09/2023</a:t>
             </a:fld>
             <a:endParaRPr lang="en-GB"/>
           </a:p>
@@ -872,7 +872,7 @@
           <a:p>
             <a:fld id="{EC1BCD71-190D-426B-85E9-B8B75E5C9734}" type="datetimeFigureOut">
               <a:rPr lang="en-GB" smtClean="0"/>
-              <a:t>29/08/2023</a:t>
+              <a:t>11/09/2023</a:t>
             </a:fld>
             <a:endParaRPr lang="en-GB"/>
           </a:p>
@@ -1147,7 +1147,7 @@
           <a:p>
             <a:fld id="{EC1BCD71-190D-426B-85E9-B8B75E5C9734}" type="datetimeFigureOut">
               <a:rPr lang="en-GB" smtClean="0"/>
-              <a:t>29/08/2023</a:t>
+              <a:t>11/09/2023</a:t>
             </a:fld>
             <a:endParaRPr lang="en-GB"/>
           </a:p>
@@ -1412,7 +1412,7 @@
           <a:p>
             <a:fld id="{EC1BCD71-190D-426B-85E9-B8B75E5C9734}" type="datetimeFigureOut">
               <a:rPr lang="en-GB" smtClean="0"/>
-              <a:t>29/08/2023</a:t>
+              <a:t>11/09/2023</a:t>
             </a:fld>
             <a:endParaRPr lang="en-GB"/>
           </a:p>
@@ -1824,7 +1824,7 @@
           <a:p>
             <a:fld id="{EC1BCD71-190D-426B-85E9-B8B75E5C9734}" type="datetimeFigureOut">
               <a:rPr lang="en-GB" smtClean="0"/>
-              <a:t>29/08/2023</a:t>
+              <a:t>11/09/2023</a:t>
             </a:fld>
             <a:endParaRPr lang="en-GB"/>
           </a:p>
@@ -1965,7 +1965,7 @@
           <a:p>
             <a:fld id="{EC1BCD71-190D-426B-85E9-B8B75E5C9734}" type="datetimeFigureOut">
               <a:rPr lang="en-GB" smtClean="0"/>
-              <a:t>29/08/2023</a:t>
+              <a:t>11/09/2023</a:t>
             </a:fld>
             <a:endParaRPr lang="en-GB"/>
           </a:p>
@@ -2078,7 +2078,7 @@
           <a:p>
             <a:fld id="{EC1BCD71-190D-426B-85E9-B8B75E5C9734}" type="datetimeFigureOut">
               <a:rPr lang="en-GB" smtClean="0"/>
-              <a:t>29/08/2023</a:t>
+              <a:t>11/09/2023</a:t>
             </a:fld>
             <a:endParaRPr lang="en-GB"/>
           </a:p>
@@ -2389,7 +2389,7 @@
           <a:p>
             <a:fld id="{EC1BCD71-190D-426B-85E9-B8B75E5C9734}" type="datetimeFigureOut">
               <a:rPr lang="en-GB" smtClean="0"/>
-              <a:t>29/08/2023</a:t>
+              <a:t>11/09/2023</a:t>
             </a:fld>
             <a:endParaRPr lang="en-GB"/>
           </a:p>
@@ -2680,7 +2680,7 @@
           <a:p>
             <a:fld id="{EC1BCD71-190D-426B-85E9-B8B75E5C9734}" type="datetimeFigureOut">
               <a:rPr lang="en-GB" smtClean="0"/>
-              <a:t>29/08/2023</a:t>
+              <a:t>11/09/2023</a:t>
             </a:fld>
             <a:endParaRPr lang="en-GB"/>
           </a:p>
@@ -2921,7 +2921,7 @@
           <a:p>
             <a:fld id="{EC1BCD71-190D-426B-85E9-B8B75E5C9734}" type="datetimeFigureOut">
               <a:rPr lang="en-GB" smtClean="0"/>
-              <a:t>29/08/2023</a:t>
+              <a:t>11/09/2023</a:t>
             </a:fld>
             <a:endParaRPr lang="en-GB"/>
           </a:p>
@@ -3982,6 +3982,66 @@
           </a:prstGeom>
         </p:spPr>
       </p:pic>
+      <p:pic>
+        <p:nvPicPr>
+          <p:cNvPr id="4" name="Picture 3">
+            <a:extLst>
+              <a:ext uri="{FF2B5EF4-FFF2-40B4-BE49-F238E27FC236}">
+                <a16:creationId xmlns:a16="http://schemas.microsoft.com/office/drawing/2014/main" id="{65E4E1A3-27D3-AEB7-234F-828F3E26ABC5}"/>
+              </a:ext>
+            </a:extLst>
+          </p:cNvPr>
+          <p:cNvPicPr>
+            <a:picLocks noChangeAspect="1"/>
+          </p:cNvPicPr>
+          <p:nvPr/>
+        </p:nvPicPr>
+        <p:blipFill>
+          <a:blip r:embed="rId5"/>
+          <a:stretch>
+            <a:fillRect/>
+          </a:stretch>
+        </p:blipFill>
+        <p:spPr>
+          <a:xfrm>
+            <a:off x="1093673" y="4514711"/>
+            <a:ext cx="2978303" cy="857294"/>
+          </a:xfrm>
+          <a:prstGeom prst="rect">
+            <a:avLst/>
+          </a:prstGeom>
+        </p:spPr>
+      </p:pic>
+      <p:pic>
+        <p:nvPicPr>
+          <p:cNvPr id="6" name="Picture 5">
+            <a:extLst>
+              <a:ext uri="{FF2B5EF4-FFF2-40B4-BE49-F238E27FC236}">
+                <a16:creationId xmlns:a16="http://schemas.microsoft.com/office/drawing/2014/main" id="{40EF1EF8-9E81-57D5-A7B7-F66E78AF2174}"/>
+              </a:ext>
+            </a:extLst>
+          </p:cNvPr>
+          <p:cNvPicPr>
+            <a:picLocks noChangeAspect="1"/>
+          </p:cNvPicPr>
+          <p:nvPr/>
+        </p:nvPicPr>
+        <p:blipFill>
+          <a:blip r:embed="rId6"/>
+          <a:stretch>
+            <a:fillRect/>
+          </a:stretch>
+        </p:blipFill>
+        <p:spPr>
+          <a:xfrm>
+            <a:off x="3439011" y="5502224"/>
+            <a:ext cx="3594285" cy="990651"/>
+          </a:xfrm>
+          <a:prstGeom prst="rect">
+            <a:avLst/>
+          </a:prstGeom>
+        </p:spPr>
+      </p:pic>
     </p:spTree>
     <p:extLst>
       <p:ext uri="{BB962C8B-B14F-4D97-AF65-F5344CB8AC3E}">
@@ -4233,6 +4293,66 @@
           </a:p>
         </p:txBody>
       </p:sp>
+      <p:pic>
+        <p:nvPicPr>
+          <p:cNvPr id="4" name="Picture 3">
+            <a:extLst>
+              <a:ext uri="{FF2B5EF4-FFF2-40B4-BE49-F238E27FC236}">
+                <a16:creationId xmlns:a16="http://schemas.microsoft.com/office/drawing/2014/main" id="{13BC9397-9D5C-46AC-5EB7-E7EFB2C56D1C}"/>
+              </a:ext>
+            </a:extLst>
+          </p:cNvPr>
+          <p:cNvPicPr>
+            <a:picLocks noChangeAspect="1"/>
+          </p:cNvPicPr>
+          <p:nvPr/>
+        </p:nvPicPr>
+        <p:blipFill>
+          <a:blip r:embed="rId5"/>
+          <a:stretch>
+            <a:fillRect/>
+          </a:stretch>
+        </p:blipFill>
+        <p:spPr>
+          <a:xfrm>
+            <a:off x="1604615" y="4620922"/>
+            <a:ext cx="3092609" cy="869995"/>
+          </a:xfrm>
+          <a:prstGeom prst="rect">
+            <a:avLst/>
+          </a:prstGeom>
+        </p:spPr>
+      </p:pic>
+      <p:pic>
+        <p:nvPicPr>
+          <p:cNvPr id="8" name="Picture 7">
+            <a:extLst>
+              <a:ext uri="{FF2B5EF4-FFF2-40B4-BE49-F238E27FC236}">
+                <a16:creationId xmlns:a16="http://schemas.microsoft.com/office/drawing/2014/main" id="{A0FD4631-4700-3DF8-F49E-40D4A607AB64}"/>
+              </a:ext>
+            </a:extLst>
+          </p:cNvPr>
+          <p:cNvPicPr>
+            <a:picLocks noChangeAspect="1"/>
+          </p:cNvPicPr>
+          <p:nvPr/>
+        </p:nvPicPr>
+        <p:blipFill>
+          <a:blip r:embed="rId6"/>
+          <a:stretch>
+            <a:fillRect/>
+          </a:stretch>
+        </p:blipFill>
+        <p:spPr>
+          <a:xfrm>
+            <a:off x="2978245" y="5776559"/>
+            <a:ext cx="2933851" cy="901746"/>
+          </a:xfrm>
+          <a:prstGeom prst="rect">
+            <a:avLst/>
+          </a:prstGeom>
+        </p:spPr>
+      </p:pic>
     </p:spTree>
     <p:extLst>
       <p:ext uri="{BB962C8B-B14F-4D97-AF65-F5344CB8AC3E}">
